--- a/data/s012/prescribe-presentation.pptx
+++ b/data/s012/prescribe-presentation.pptx
@@ -3172,7 +3172,7 @@
           <a:p>
             <a:pPr algn="ctr"/>
             <a:r>
-              <a:t>Generated on 2024-08-30 00:43:13</a:t>
+              <a:t>Generated on 2024-08-30 13:48:37</a:t>
             </a:r>
           </a:p>
         </p:txBody>
@@ -4000,7 +4000,7 @@
           <a:p>
             <a:pPr algn="ctr"/>
             <a:r>
-              <a:t>Generated on 2024-08-30 00:43:16</a:t>
+              <a:t>Generated on 2024-08-30 13:48:40</a:t>
             </a:r>
           </a:p>
         </p:txBody>

--- a/data/s012/prescribe-presentation.pptx
+++ b/data/s012/prescribe-presentation.pptx
@@ -3172,7 +3172,7 @@
           <a:p>
             <a:pPr algn="ctr"/>
             <a:r>
-              <a:t>Generated on 2024-08-30 13:48:37</a:t>
+              <a:t>Generated on 2024-08-30 15:21:12</a:t>
             </a:r>
           </a:p>
         </p:txBody>
@@ -4000,7 +4000,7 @@
           <a:p>
             <a:pPr algn="ctr"/>
             <a:r>
-              <a:t>Generated on 2024-08-30 13:48:40</a:t>
+              <a:t>Generated on 2024-08-30 15:21:15</a:t>
             </a:r>
           </a:p>
         </p:txBody>

--- a/data/s012/prescribe-presentation.pptx
+++ b/data/s012/prescribe-presentation.pptx
@@ -3172,7 +3172,7 @@
           <a:p>
             <a:pPr algn="ctr"/>
             <a:r>
-              <a:t>Generated on 2024-08-30 15:21:12</a:t>
+              <a:t>Generated on 2024-08-30 15:45:32</a:t>
             </a:r>
           </a:p>
         </p:txBody>
@@ -4000,7 +4000,7 @@
           <a:p>
             <a:pPr algn="ctr"/>
             <a:r>
-              <a:t>Generated on 2024-08-30 15:21:15</a:t>
+              <a:t>Generated on 2024-08-30 15:45:35</a:t>
             </a:r>
           </a:p>
         </p:txBody>

--- a/data/s012/prescribe-presentation.pptx
+++ b/data/s012/prescribe-presentation.pptx
@@ -3172,7 +3172,7 @@
           <a:p>
             <a:pPr algn="ctr"/>
             <a:r>
-              <a:t>Generated on 2024-08-30 15:45:32</a:t>
+              <a:t>Generated on 2024-08-30 16:08:51</a:t>
             </a:r>
           </a:p>
         </p:txBody>
@@ -4000,7 +4000,7 @@
           <a:p>
             <a:pPr algn="ctr"/>
             <a:r>
-              <a:t>Generated on 2024-08-30 15:45:35</a:t>
+              <a:t>Generated on 2024-08-30 16:08:54</a:t>
             </a:r>
           </a:p>
         </p:txBody>

--- a/data/s012/prescribe-presentation.pptx
+++ b/data/s012/prescribe-presentation.pptx
@@ -3172,7 +3172,7 @@
           <a:p>
             <a:pPr algn="ctr"/>
             <a:r>
-              <a:t>Generated on 2024-08-30 16:08:51</a:t>
+              <a:t>Generated on 2024-08-30 16:26:24</a:t>
             </a:r>
           </a:p>
         </p:txBody>
@@ -4000,7 +4000,7 @@
           <a:p>
             <a:pPr algn="ctr"/>
             <a:r>
-              <a:t>Generated on 2024-08-30 16:08:54</a:t>
+              <a:t>Generated on 2024-08-30 16:26:27</a:t>
             </a:r>
           </a:p>
         </p:txBody>

--- a/data/s012/prescribe-presentation.pptx
+++ b/data/s012/prescribe-presentation.pptx
@@ -3172,7 +3172,7 @@
           <a:p>
             <a:pPr algn="ctr"/>
             <a:r>
-              <a:t>Generated on 2024-08-30 16:26:24</a:t>
+              <a:t>Generated on 2024-08-30 16:32:21</a:t>
             </a:r>
           </a:p>
         </p:txBody>
@@ -4000,7 +4000,7 @@
           <a:p>
             <a:pPr algn="ctr"/>
             <a:r>
-              <a:t>Generated on 2024-08-30 16:26:27</a:t>
+              <a:t>Generated on 2024-08-30 16:32:25</a:t>
             </a:r>
           </a:p>
         </p:txBody>

--- a/data/s012/prescribe-presentation.pptx
+++ b/data/s012/prescribe-presentation.pptx
@@ -41,6 +41,10 @@
     <p:sldId id="289" r:id="rId40"/>
     <p:sldId id="290" r:id="rId41"/>
     <p:sldId id="291" r:id="rId42"/>
+    <p:sldId id="292" r:id="rId43"/>
+    <p:sldId id="293" r:id="rId44"/>
+    <p:sldId id="294" r:id="rId45"/>
+    <p:sldId id="295" r:id="rId46"/>
   </p:sldIdLst>
   <p:sldSz cx="12188952" cy="6858000" type="screen4x3"/>
   <p:notesSz cx="6858000" cy="9144000"/>
@@ -3172,7 +3176,7 @@
           <a:p>
             <a:pPr algn="ctr"/>
             <a:r>
-              <a:t>Generated on 2024-08-30 16:32:21</a:t>
+              <a:t>Generated on 2024-09-01 01:00:31</a:t>
             </a:r>
           </a:p>
         </p:txBody>
@@ -3211,14 +3215,14 @@
           <a:lstStyle/>
           <a:p>
             <a:r>
-              <a:t>qt_refined: QT Refined (ms)</a:t>
+              <a:t>rr: RR Interval (ms)</a:t>
             </a:r>
           </a:p>
         </p:txBody>
       </p:sp>
       <p:pic>
         <p:nvPicPr>
-          <p:cNvPr id="3" name="Picture 2" descr="temp_qt_refined.png"/>
+          <p:cNvPr id="3" name="Picture 2" descr="temp_rr.png"/>
           <p:cNvPicPr>
             <a:picLocks noChangeAspect="1"/>
           </p:cNvPicPr>
@@ -3274,14 +3278,14 @@
           <a:lstStyle/>
           <a:p>
             <a:r>
-              <a:t>qt_smoothed: QT Smoothed (ms)</a:t>
+              <a:t>rr_refined: RR Refined (ms)</a:t>
             </a:r>
           </a:p>
         </p:txBody>
       </p:sp>
       <p:pic>
         <p:nvPicPr>
-          <p:cNvPr id="3" name="Picture 2" descr="temp_qt_smoothed.png"/>
+          <p:cNvPr id="3" name="Picture 2" descr="temp_rr_refined.png"/>
           <p:cNvPicPr>
             <a:picLocks noChangeAspect="1"/>
           </p:cNvPicPr>
@@ -3337,14 +3341,14 @@
           <a:lstStyle/>
           <a:p>
             <a:r>
-              <a:t>qt_c: QTc</a:t>
+              <a:t>rr_smoothed: RR Smoothed (ms)</a:t>
             </a:r>
           </a:p>
         </p:txBody>
       </p:sp>
       <p:pic>
         <p:nvPicPr>
-          <p:cNvPr id="3" name="Picture 2" descr="temp_qt_c.png"/>
+          <p:cNvPr id="3" name="Picture 2" descr="temp_rr_smoothed.png"/>
           <p:cNvPicPr>
             <a:picLocks noChangeAspect="1"/>
           </p:cNvPicPr>
@@ -3400,14 +3404,14 @@
           <a:lstStyle/>
           <a:p>
             <a:r>
-              <a:t>qt_c_refined: QTc Refined</a:t>
+              <a:t>qt: QT Interval (ms)</a:t>
             </a:r>
           </a:p>
         </p:txBody>
       </p:sp>
       <p:pic>
         <p:nvPicPr>
-          <p:cNvPr id="3" name="Picture 2" descr="temp_qt_c_refined.png"/>
+          <p:cNvPr id="3" name="Picture 2" descr="temp_qt.png"/>
           <p:cNvPicPr>
             <a:picLocks noChangeAspect="1"/>
           </p:cNvPicPr>
@@ -3463,14 +3467,14 @@
           <a:lstStyle/>
           <a:p>
             <a:r>
-              <a:t>qt_c_smoothed: QTc Smoothed</a:t>
+              <a:t>qt_refined: QT Refined (ms)</a:t>
             </a:r>
           </a:p>
         </p:txBody>
       </p:sp>
       <p:pic>
         <p:nvPicPr>
-          <p:cNvPr id="3" name="Picture 2" descr="temp_qt_c_smoothed.png"/>
+          <p:cNvPr id="3" name="Picture 2" descr="temp_qt_refined.png"/>
           <p:cNvPicPr>
             <a:picLocks noChangeAspect="1"/>
           </p:cNvPicPr>
@@ -3526,14 +3530,14 @@
           <a:lstStyle/>
           <a:p>
             <a:r>
-              <a:t>qrs: QRS Duration (ms)</a:t>
+              <a:t>qt_smoothed: QT Smoothed (ms)</a:t>
             </a:r>
           </a:p>
         </p:txBody>
       </p:sp>
       <p:pic>
         <p:nvPicPr>
-          <p:cNvPr id="3" name="Picture 2" descr="temp_qrs.png"/>
+          <p:cNvPr id="3" name="Picture 2" descr="temp_qt_smoothed.png"/>
           <p:cNvPicPr>
             <a:picLocks noChangeAspect="1"/>
           </p:cNvPicPr>
@@ -3589,14 +3593,14 @@
           <a:lstStyle/>
           <a:p>
             <a:r>
-              <a:t>qrs_refined: QRS Duration Refined (ms)</a:t>
+              <a:t>qt_c: QTc</a:t>
             </a:r>
           </a:p>
         </p:txBody>
       </p:sp>
       <p:pic>
         <p:nvPicPr>
-          <p:cNvPr id="3" name="Picture 2" descr="temp_qrs_refined.png"/>
+          <p:cNvPr id="3" name="Picture 2" descr="temp_qt_c.png"/>
           <p:cNvPicPr>
             <a:picLocks noChangeAspect="1"/>
           </p:cNvPicPr>
@@ -3652,14 +3656,14 @@
           <a:lstStyle/>
           <a:p>
             <a:r>
-              <a:t>qrs_smoothed: QRS Duration Smoothed (ms)</a:t>
+              <a:t>qt_c_refined: QTc Refined</a:t>
             </a:r>
           </a:p>
         </p:txBody>
       </p:sp>
       <p:pic>
         <p:nvPicPr>
-          <p:cNvPr id="3" name="Picture 2" descr="temp_qrs_smoothed.png"/>
+          <p:cNvPr id="3" name="Picture 2" descr="temp_qt_c_refined.png"/>
           <p:cNvPicPr>
             <a:picLocks noChangeAspect="1"/>
           </p:cNvPicPr>
@@ -3715,14 +3719,14 @@
           <a:lstStyle/>
           <a:p>
             <a:r>
-              <a:t>t_to_r: T/R Ratio</a:t>
+              <a:t>qt_c_smoothed: QTc Smoothed</a:t>
             </a:r>
           </a:p>
         </p:txBody>
       </p:sp>
       <p:pic>
         <p:nvPicPr>
-          <p:cNvPr id="3" name="Picture 2" descr="temp_t_to_r.png"/>
+          <p:cNvPr id="3" name="Picture 2" descr="temp_qt_c_smoothed.png"/>
           <p:cNvPicPr>
             <a:picLocks noChangeAspect="1"/>
           </p:cNvPicPr>
@@ -3778,14 +3782,14 @@
           <a:lstStyle/>
           <a:p>
             <a:r>
-              <a:t>t_to_r_refined: T/R Refined</a:t>
+              <a:t>qrs: QRS Duration (ms)</a:t>
             </a:r>
           </a:p>
         </p:txBody>
       </p:sp>
       <p:pic>
         <p:nvPicPr>
-          <p:cNvPr id="3" name="Picture 2" descr="temp_t_to_r_refined.png"/>
+          <p:cNvPr id="3" name="Picture 2" descr="temp_qrs.png"/>
           <p:cNvPicPr>
             <a:picLocks noChangeAspect="1"/>
           </p:cNvPicPr>
@@ -3841,14 +3845,14 @@
           <a:lstStyle/>
           <a:p>
             <a:r>
-              <a:t>r_amps: R Amplitudes (mV)</a:t>
+              <a:t>Subject S012 ECG Data Processing Summary - Overlay</a:t>
             </a:r>
           </a:p>
         </p:txBody>
       </p:sp>
       <p:pic>
         <p:nvPicPr>
-          <p:cNvPr id="3" name="Picture 2" descr="temp_r_amps.png"/>
+          <p:cNvPr id="3" name="Picture 2" descr="temp_overlay.png"/>
           <p:cNvPicPr>
             <a:picLocks noChangeAspect="1"/>
           </p:cNvPicPr>
@@ -3904,14 +3908,14 @@
           <a:lstStyle/>
           <a:p>
             <a:r>
-              <a:t>t_to_r_smoothed: T/R Smoothed</a:t>
+              <a:t>qrs_refined: QRS Duration Refined (ms)</a:t>
             </a:r>
           </a:p>
         </p:txBody>
       </p:sp>
       <p:pic>
         <p:nvPicPr>
-          <p:cNvPr id="3" name="Picture 2" descr="temp_t_to_r_smoothed.png"/>
+          <p:cNvPr id="3" name="Picture 2" descr="temp_qrs_refined.png"/>
           <p:cNvPicPr>
             <a:picLocks noChangeAspect="1"/>
           </p:cNvPicPr>
@@ -3958,53 +3962,44 @@
             <a:spLocks noGrp="1"/>
           </p:cNvSpPr>
           <p:nvPr>
-            <p:ph type="ctrTitle"/>
-          </p:nvPr>
-        </p:nvSpPr>
-        <p:spPr>
-          <a:xfrm>
-            <a:off x="0" y="1828800"/>
-            <a:ext cx="12188952" cy="2286000"/>
-          </a:xfrm>
-        </p:spPr>
-        <p:txBody>
-          <a:bodyPr/>
-          <a:lstStyle/>
-          <a:p>
-            <a:pPr algn="ctr"/>
-            <a:r>
-              <a:t>Subject P000007 PPG Data Processing Summary</a:t>
-            </a:r>
-          </a:p>
-        </p:txBody>
-      </p:sp>
-      <p:sp>
-        <p:nvSpPr>
-          <p:cNvPr id="3" name="Subtitle 2"/>
-          <p:cNvSpPr>
-            <a:spLocks noGrp="1"/>
-          </p:cNvSpPr>
-          <p:nvPr>
-            <p:ph type="subTitle" idx="1"/>
-          </p:nvPr>
-        </p:nvSpPr>
-        <p:spPr>
-          <a:xfrm>
-            <a:off x="0" y="4114800"/>
-            <a:ext cx="12188952" cy="2286000"/>
-          </a:xfrm>
-        </p:spPr>
-        <p:txBody>
-          <a:bodyPr/>
-          <a:lstStyle/>
-          <a:p>
-            <a:pPr algn="ctr"/>
-            <a:r>
-              <a:t>Generated on 2024-08-30 16:32:25</a:t>
-            </a:r>
-          </a:p>
-        </p:txBody>
-      </p:sp>
+            <p:ph type="title"/>
+          </p:nvPr>
+        </p:nvSpPr>
+        <p:spPr/>
+        <p:txBody>
+          <a:bodyPr/>
+          <a:lstStyle/>
+          <a:p>
+            <a:r>
+              <a:t>qrs_smoothed: QRS Duration Smoothed (ms)</a:t>
+            </a:r>
+          </a:p>
+        </p:txBody>
+      </p:sp>
+      <p:pic>
+        <p:nvPicPr>
+          <p:cNvPr id="3" name="Picture 2" descr="temp_qrs_smoothed.png"/>
+          <p:cNvPicPr>
+            <a:picLocks noChangeAspect="1"/>
+          </p:cNvPicPr>
+          <p:nvPr/>
+        </p:nvPicPr>
+        <p:blipFill>
+          <a:blip r:embed="rId2"/>
+          <a:stretch>
+            <a:fillRect/>
+          </a:stretch>
+        </p:blipFill>
+        <p:spPr>
+          <a:xfrm>
+            <a:off x="640080" y="1828800"/>
+            <a:ext cx="10908792" cy="4090797"/>
+          </a:xfrm>
+          <a:prstGeom prst="rect">
+            <a:avLst/>
+          </a:prstGeom>
+        </p:spPr>
+      </p:pic>
     </p:spTree>
   </p:cSld>
   <p:clrMapOvr>
@@ -4039,14 +4034,14 @@
           <a:lstStyle/>
           <a:p>
             <a:r>
-              <a:t>ppg_onset_to_systolic_peak: PPG Onset to Systolic Peak Interval</a:t>
+              <a:t>t_to_r: T/R Ratio</a:t>
             </a:r>
           </a:p>
         </p:txBody>
       </p:sp>
       <p:pic>
         <p:nvPicPr>
-          <p:cNvPr id="3" name="Picture 2" descr="temp_ppg_onset_to_systolic_peak.png"/>
+          <p:cNvPr id="3" name="Picture 2" descr="temp_t_to_r.png"/>
           <p:cNvPicPr>
             <a:picLocks noChangeAspect="1"/>
           </p:cNvPicPr>
@@ -4102,14 +4097,14 @@
           <a:lstStyle/>
           <a:p>
             <a:r>
-              <a:t>ppg_onset_to_dicrotic_notch: PPG Onset to Dicrotic Notch Interval</a:t>
+              <a:t>t_to_r_refined: T/R Refined</a:t>
             </a:r>
           </a:p>
         </p:txBody>
       </p:sp>
       <p:pic>
         <p:nvPicPr>
-          <p:cNvPr id="3" name="Picture 2" descr="temp_ppg_onset_to_dicrotic_notch.png"/>
+          <p:cNvPr id="3" name="Picture 2" descr="temp_t_to_r_refined.png"/>
           <p:cNvPicPr>
             <a:picLocks noChangeAspect="1"/>
           </p:cNvPicPr>
@@ -4165,14 +4160,14 @@
           <a:lstStyle/>
           <a:p>
             <a:r>
-              <a:t>ppg_onset_to_diastolic_peak: PPG Onset to Diastolic Peak Interval</a:t>
+              <a:t>t_to_r_smoothed: T/R Smoothed</a:t>
             </a:r>
           </a:p>
         </p:txBody>
       </p:sp>
       <p:pic>
         <p:nvPicPr>
-          <p:cNvPr id="3" name="Picture 2" descr="temp_ppg_onset_to_diastolic_peak.png"/>
+          <p:cNvPr id="3" name="Picture 2" descr="temp_t_to_r_smoothed.png"/>
           <p:cNvPicPr>
             <a:picLocks noChangeAspect="1"/>
           </p:cNvPicPr>
@@ -4219,44 +4214,53 @@
             <a:spLocks noGrp="1"/>
           </p:cNvSpPr>
           <p:nvPr>
-            <p:ph type="title"/>
-          </p:nvPr>
-        </p:nvSpPr>
-        <p:spPr/>
-        <p:txBody>
-          <a:bodyPr/>
-          <a:lstStyle/>
-          <a:p>
-            <a:r>
-              <a:t>ppg_onset_to_offset: PPG Onset to PPG Offset Interval</a:t>
-            </a:r>
-          </a:p>
-        </p:txBody>
-      </p:sp>
-      <p:pic>
-        <p:nvPicPr>
-          <p:cNvPr id="3" name="Picture 2" descr="temp_ppg_onset_to_offset.png"/>
-          <p:cNvPicPr>
-            <a:picLocks noChangeAspect="1"/>
-          </p:cNvPicPr>
-          <p:nvPr/>
-        </p:nvPicPr>
-        <p:blipFill>
-          <a:blip r:embed="rId2"/>
-          <a:stretch>
-            <a:fillRect/>
-          </a:stretch>
-        </p:blipFill>
-        <p:spPr>
-          <a:xfrm>
-            <a:off x="640080" y="1828800"/>
-            <a:ext cx="10908792" cy="4090797"/>
-          </a:xfrm>
-          <a:prstGeom prst="rect">
-            <a:avLst/>
-          </a:prstGeom>
-        </p:spPr>
-      </p:pic>
+            <p:ph type="ctrTitle"/>
+          </p:nvPr>
+        </p:nvSpPr>
+        <p:spPr>
+          <a:xfrm>
+            <a:off x="0" y="1828800"/>
+            <a:ext cx="12188952" cy="2286000"/>
+          </a:xfrm>
+        </p:spPr>
+        <p:txBody>
+          <a:bodyPr/>
+          <a:lstStyle/>
+          <a:p>
+            <a:pPr algn="ctr"/>
+            <a:r>
+              <a:t>Subject P000007 PPG Data Processing Summary</a:t>
+            </a:r>
+          </a:p>
+        </p:txBody>
+      </p:sp>
+      <p:sp>
+        <p:nvSpPr>
+          <p:cNvPr id="3" name="Subtitle 2"/>
+          <p:cNvSpPr>
+            <a:spLocks noGrp="1"/>
+          </p:cNvSpPr>
+          <p:nvPr>
+            <p:ph type="subTitle" idx="1"/>
+          </p:nvPr>
+        </p:nvSpPr>
+        <p:spPr>
+          <a:xfrm>
+            <a:off x="0" y="4114800"/>
+            <a:ext cx="12188952" cy="2286000"/>
+          </a:xfrm>
+        </p:spPr>
+        <p:txBody>
+          <a:bodyPr/>
+          <a:lstStyle/>
+          <a:p>
+            <a:pPr algn="ctr"/>
+            <a:r>
+              <a:t>Generated on 2024-09-01 01:00:35</a:t>
+            </a:r>
+          </a:p>
+        </p:txBody>
+      </p:sp>
     </p:spTree>
   </p:cSld>
   <p:clrMapOvr>
@@ -4291,14 +4295,14 @@
           <a:lstStyle/>
           <a:p>
             <a:r>
-              <a:t>ppg_onset_to_u_peak: PPG Onset to u Peak Interval</a:t>
+              <a:t>ppg_onset_to_systolic_peak: PPG Onset to Systolic Peak Interval</a:t>
             </a:r>
           </a:p>
         </p:txBody>
       </p:sp>
       <p:pic>
         <p:nvPicPr>
-          <p:cNvPr id="3" name="Picture 2" descr="temp_ppg_onset_to_u_peak.png"/>
+          <p:cNvPr id="3" name="Picture 2" descr="temp_ppg_onset_to_systolic_peak.png"/>
           <p:cNvPicPr>
             <a:picLocks noChangeAspect="1"/>
           </p:cNvPicPr>
@@ -4354,14 +4358,14 @@
           <a:lstStyle/>
           <a:p>
             <a:r>
-              <a:t>ppg_onset_to_v_peak: PPG Onset to v Peak Interval</a:t>
+              <a:t>ppg_onset_to_dicrotic_notch: PPG Onset to Dicrotic Notch Interval</a:t>
             </a:r>
           </a:p>
         </p:txBody>
       </p:sp>
       <p:pic>
         <p:nvPicPr>
-          <p:cNvPr id="3" name="Picture 2" descr="temp_ppg_onset_to_v_peak.png"/>
+          <p:cNvPr id="3" name="Picture 2" descr="temp_ppg_onset_to_dicrotic_notch.png"/>
           <p:cNvPicPr>
             <a:picLocks noChangeAspect="1"/>
           </p:cNvPicPr>
@@ -4417,14 +4421,14 @@
           <a:lstStyle/>
           <a:p>
             <a:r>
-              <a:t>ppg_onset_to_w_peak: PPG Onset to w Peak Interval</a:t>
+              <a:t>ppg_onset_to_diastolic_peak: PPG Onset to Diastolic Peak Interval</a:t>
             </a:r>
           </a:p>
         </p:txBody>
       </p:sp>
       <p:pic>
         <p:nvPicPr>
-          <p:cNvPr id="3" name="Picture 2" descr="temp_ppg_onset_to_w_peak.png"/>
+          <p:cNvPr id="3" name="Picture 2" descr="temp_ppg_onset_to_diastolic_peak.png"/>
           <p:cNvPicPr>
             <a:picLocks noChangeAspect="1"/>
           </p:cNvPicPr>
@@ -4480,14 +4484,14 @@
           <a:lstStyle/>
           <a:p>
             <a:r>
-              <a:t>ppg_onset_to_a_peak: PPG Onset to a Peak Interval</a:t>
+              <a:t>ppg_onset_to_offset: PPG Onset to PPG Offset Interval</a:t>
             </a:r>
           </a:p>
         </p:txBody>
       </p:sp>
       <p:pic>
         <p:nvPicPr>
-          <p:cNvPr id="3" name="Picture 2" descr="temp_ppg_onset_to_a_peak.png"/>
+          <p:cNvPr id="3" name="Picture 2" descr="temp_ppg_onset_to_offset.png"/>
           <p:cNvPicPr>
             <a:picLocks noChangeAspect="1"/>
           </p:cNvPicPr>
@@ -4534,44 +4538,53 @@
             <a:spLocks noGrp="1"/>
           </p:cNvSpPr>
           <p:nvPr>
-            <p:ph type="title"/>
-          </p:nvPr>
-        </p:nvSpPr>
-        <p:spPr/>
-        <p:txBody>
-          <a:bodyPr/>
-          <a:lstStyle/>
-          <a:p>
-            <a:r>
-              <a:t>hr: Heart Rate (BPM)</a:t>
-            </a:r>
-          </a:p>
-        </p:txBody>
-      </p:sp>
-      <p:pic>
-        <p:nvPicPr>
-          <p:cNvPr id="3" name="Picture 2" descr="temp_hr.png"/>
-          <p:cNvPicPr>
-            <a:picLocks noChangeAspect="1"/>
-          </p:cNvPicPr>
-          <p:nvPr/>
-        </p:nvPicPr>
-        <p:blipFill>
-          <a:blip r:embed="rId2"/>
-          <a:stretch>
-            <a:fillRect/>
-          </a:stretch>
-        </p:blipFill>
-        <p:spPr>
-          <a:xfrm>
-            <a:off x="640080" y="1828800"/>
-            <a:ext cx="10908792" cy="4090797"/>
-          </a:xfrm>
-          <a:prstGeom prst="rect">
-            <a:avLst/>
-          </a:prstGeom>
-        </p:spPr>
-      </p:pic>
+            <p:ph type="ctrTitle"/>
+          </p:nvPr>
+        </p:nvSpPr>
+        <p:spPr>
+          <a:xfrm>
+            <a:off x="0" y="1828800"/>
+            <a:ext cx="12188952" cy="2286000"/>
+          </a:xfrm>
+        </p:spPr>
+        <p:txBody>
+          <a:bodyPr/>
+          <a:lstStyle/>
+          <a:p>
+            <a:pPr algn="ctr"/>
+            <a:r>
+              <a:t>Subject S012 ECG Data Processing Summary</a:t>
+            </a:r>
+          </a:p>
+        </p:txBody>
+      </p:sp>
+      <p:sp>
+        <p:nvSpPr>
+          <p:cNvPr id="3" name="Subtitle 2"/>
+          <p:cNvSpPr>
+            <a:spLocks noGrp="1"/>
+          </p:cNvSpPr>
+          <p:nvPr>
+            <p:ph type="subTitle" idx="1"/>
+          </p:nvPr>
+        </p:nvSpPr>
+        <p:spPr>
+          <a:xfrm>
+            <a:off x="0" y="4114800"/>
+            <a:ext cx="12188952" cy="2286000"/>
+          </a:xfrm>
+        </p:spPr>
+        <p:txBody>
+          <a:bodyPr/>
+          <a:lstStyle/>
+          <a:p>
+            <a:pPr algn="ctr"/>
+            <a:r>
+              <a:t>Generated on 2024-09-01 01:00:31</a:t>
+            </a:r>
+          </a:p>
+        </p:txBody>
+      </p:sp>
     </p:spTree>
   </p:cSld>
   <p:clrMapOvr>
@@ -4606,14 +4619,14 @@
           <a:lstStyle/>
           <a:p>
             <a:r>
-              <a:t>ppg_onset_to_b_peak: PPG Onset to b Peak Interval</a:t>
+              <a:t>ppg_onset_to_u_peak: PPG Onset to u Peak Interval</a:t>
             </a:r>
           </a:p>
         </p:txBody>
       </p:sp>
       <p:pic>
         <p:nvPicPr>
-          <p:cNvPr id="3" name="Picture 2" descr="temp_ppg_onset_to_b_peak.png"/>
+          <p:cNvPr id="3" name="Picture 2" descr="temp_ppg_onset_to_u_peak.png"/>
           <p:cNvPicPr>
             <a:picLocks noChangeAspect="1"/>
           </p:cNvPicPr>
@@ -4669,14 +4682,14 @@
           <a:lstStyle/>
           <a:p>
             <a:r>
-              <a:t>ppg_onset_to_c_peak: PPG Onset to c Peak Interval</a:t>
+              <a:t>ppg_onset_to_v_peak: PPG Onset to v Peak Interval</a:t>
             </a:r>
           </a:p>
         </p:txBody>
       </p:sp>
       <p:pic>
         <p:nvPicPr>
-          <p:cNvPr id="3" name="Picture 2" descr="temp_ppg_onset_to_c_peak.png"/>
+          <p:cNvPr id="3" name="Picture 2" descr="temp_ppg_onset_to_v_peak.png"/>
           <p:cNvPicPr>
             <a:picLocks noChangeAspect="1"/>
           </p:cNvPicPr>
@@ -4732,14 +4745,14 @@
           <a:lstStyle/>
           <a:p>
             <a:r>
-              <a:t>ppg_onset_to_d_peak: PPG Onset to d Peak Interval</a:t>
+              <a:t>ppg_onset_to_w_peak: PPG Onset to w Peak Interval</a:t>
             </a:r>
           </a:p>
         </p:txBody>
       </p:sp>
       <p:pic>
         <p:nvPicPr>
-          <p:cNvPr id="3" name="Picture 2" descr="temp_ppg_onset_to_d_peak.png"/>
+          <p:cNvPr id="3" name="Picture 2" descr="temp_ppg_onset_to_w_peak.png"/>
           <p:cNvPicPr>
             <a:picLocks noChangeAspect="1"/>
           </p:cNvPicPr>
@@ -4795,14 +4808,14 @@
           <a:lstStyle/>
           <a:p>
             <a:r>
-              <a:t>ppg_onset_to_e_peak: PPG Onset to e Peak Interval</a:t>
+              <a:t>ppg_onset_to_a_peak: PPG Onset to a Peak Interval</a:t>
             </a:r>
           </a:p>
         </p:txBody>
       </p:sp>
       <p:pic>
         <p:nvPicPr>
-          <p:cNvPr id="3" name="Picture 2" descr="temp_ppg_onset_to_e_peak.png"/>
+          <p:cNvPr id="3" name="Picture 2" descr="temp_ppg_onset_to_a_peak.png"/>
           <p:cNvPicPr>
             <a:picLocks noChangeAspect="1"/>
           </p:cNvPicPr>
@@ -4858,14 +4871,14 @@
           <a:lstStyle/>
           <a:p>
             <a:r>
-              <a:t>ppg_onset_to_f_peak: PPG Onset to f Peak Interval</a:t>
+              <a:t>ppg_onset_to_b_peak: PPG Onset to b Peak Interval</a:t>
             </a:r>
           </a:p>
         </p:txBody>
       </p:sp>
       <p:pic>
         <p:nvPicPr>
-          <p:cNvPr id="3" name="Picture 2" descr="temp_ppg_onset_to_f_peak.png"/>
+          <p:cNvPr id="3" name="Picture 2" descr="temp_ppg_onset_to_b_peak.png"/>
           <p:cNvPicPr>
             <a:picLocks noChangeAspect="1"/>
           </p:cNvPicPr>
@@ -4921,14 +4934,14 @@
           <a:lstStyle/>
           <a:p>
             <a:r>
-              <a:t>ppg_onset_to_p1_peak: PPG Onset to p1 Peak Interval</a:t>
+              <a:t>ppg_onset_to_c_peak: PPG Onset to c Peak Interval</a:t>
             </a:r>
           </a:p>
         </p:txBody>
       </p:sp>
       <p:pic>
         <p:nvPicPr>
-          <p:cNvPr id="3" name="Picture 2" descr="temp_ppg_onset_to_p1_peak.png"/>
+          <p:cNvPr id="3" name="Picture 2" descr="temp_ppg_onset_to_c_peak.png"/>
           <p:cNvPicPr>
             <a:picLocks noChangeAspect="1"/>
           </p:cNvPicPr>
@@ -4984,14 +4997,203 @@
           <a:lstStyle/>
           <a:p>
             <a:r>
-              <a:t>ppg_onset_to_p2_peak: PPG Onset to p2 Peak Interval</a:t>
+              <a:t>ppg_onset_to_d_peak: PPG Onset to d Peak Interval</a:t>
             </a:r>
           </a:p>
         </p:txBody>
       </p:sp>
       <p:pic>
         <p:nvPicPr>
-          <p:cNvPr id="3" name="Picture 2" descr="temp_ppg_onset_to_p2_peak.png"/>
+          <p:cNvPr id="3" name="Picture 2" descr="temp_ppg_onset_to_d_peak.png"/>
+          <p:cNvPicPr>
+            <a:picLocks noChangeAspect="1"/>
+          </p:cNvPicPr>
+          <p:nvPr/>
+        </p:nvPicPr>
+        <p:blipFill>
+          <a:blip r:embed="rId2"/>
+          <a:stretch>
+            <a:fillRect/>
+          </a:stretch>
+        </p:blipFill>
+        <p:spPr>
+          <a:xfrm>
+            <a:off x="640080" y="1828800"/>
+            <a:ext cx="10908792" cy="4090797"/>
+          </a:xfrm>
+          <a:prstGeom prst="rect">
+            <a:avLst/>
+          </a:prstGeom>
+        </p:spPr>
+      </p:pic>
+    </p:spTree>
+  </p:cSld>
+  <p:clrMapOvr>
+    <a:masterClrMapping/>
+  </p:clrMapOvr>
+</p:sld>
+</file>
+
+<file path=ppt/slides/slide37.xml><?xml version="1.0" encoding="utf-8"?>
+<p:sld xmlns:a="http://schemas.openxmlformats.org/drawingml/2006/main" xmlns:p="http://schemas.openxmlformats.org/presentationml/2006/main" xmlns:r="http://schemas.openxmlformats.org/officeDocument/2006/relationships">
+  <p:cSld>
+    <p:spTree>
+      <p:nvGrpSpPr>
+        <p:cNvPr id="1" name=""/>
+        <p:cNvGrpSpPr/>
+        <p:nvPr/>
+      </p:nvGrpSpPr>
+      <p:grpSpPr/>
+      <p:sp>
+        <p:nvSpPr>
+          <p:cNvPr id="2" name="Title 1"/>
+          <p:cNvSpPr>
+            <a:spLocks noGrp="1"/>
+          </p:cNvSpPr>
+          <p:nvPr>
+            <p:ph type="title"/>
+          </p:nvPr>
+        </p:nvSpPr>
+        <p:spPr/>
+        <p:txBody>
+          <a:bodyPr/>
+          <a:lstStyle/>
+          <a:p>
+            <a:r>
+              <a:t>ppg_onset_to_e_peak: PPG Onset to e Peak Interval</a:t>
+            </a:r>
+          </a:p>
+        </p:txBody>
+      </p:sp>
+      <p:pic>
+        <p:nvPicPr>
+          <p:cNvPr id="3" name="Picture 2" descr="temp_ppg_onset_to_e_peak.png"/>
+          <p:cNvPicPr>
+            <a:picLocks noChangeAspect="1"/>
+          </p:cNvPicPr>
+          <p:nvPr/>
+        </p:nvPicPr>
+        <p:blipFill>
+          <a:blip r:embed="rId2"/>
+          <a:stretch>
+            <a:fillRect/>
+          </a:stretch>
+        </p:blipFill>
+        <p:spPr>
+          <a:xfrm>
+            <a:off x="640080" y="1828800"/>
+            <a:ext cx="10908792" cy="4090797"/>
+          </a:xfrm>
+          <a:prstGeom prst="rect">
+            <a:avLst/>
+          </a:prstGeom>
+        </p:spPr>
+      </p:pic>
+    </p:spTree>
+  </p:cSld>
+  <p:clrMapOvr>
+    <a:masterClrMapping/>
+  </p:clrMapOvr>
+</p:sld>
+</file>
+
+<file path=ppt/slides/slide38.xml><?xml version="1.0" encoding="utf-8"?>
+<p:sld xmlns:a="http://schemas.openxmlformats.org/drawingml/2006/main" xmlns:p="http://schemas.openxmlformats.org/presentationml/2006/main" xmlns:r="http://schemas.openxmlformats.org/officeDocument/2006/relationships">
+  <p:cSld>
+    <p:spTree>
+      <p:nvGrpSpPr>
+        <p:cNvPr id="1" name=""/>
+        <p:cNvGrpSpPr/>
+        <p:nvPr/>
+      </p:nvGrpSpPr>
+      <p:grpSpPr/>
+      <p:sp>
+        <p:nvSpPr>
+          <p:cNvPr id="2" name="Title 1"/>
+          <p:cNvSpPr>
+            <a:spLocks noGrp="1"/>
+          </p:cNvSpPr>
+          <p:nvPr>
+            <p:ph type="title"/>
+          </p:nvPr>
+        </p:nvSpPr>
+        <p:spPr/>
+        <p:txBody>
+          <a:bodyPr/>
+          <a:lstStyle/>
+          <a:p>
+            <a:r>
+              <a:t>ppg_onset_to_f_peak: PPG Onset to f Peak Interval</a:t>
+            </a:r>
+          </a:p>
+        </p:txBody>
+      </p:sp>
+      <p:pic>
+        <p:nvPicPr>
+          <p:cNvPr id="3" name="Picture 2" descr="temp_ppg_onset_to_f_peak.png"/>
+          <p:cNvPicPr>
+            <a:picLocks noChangeAspect="1"/>
+          </p:cNvPicPr>
+          <p:nvPr/>
+        </p:nvPicPr>
+        <p:blipFill>
+          <a:blip r:embed="rId2"/>
+          <a:stretch>
+            <a:fillRect/>
+          </a:stretch>
+        </p:blipFill>
+        <p:spPr>
+          <a:xfrm>
+            <a:off x="640080" y="1828800"/>
+            <a:ext cx="10908792" cy="4090797"/>
+          </a:xfrm>
+          <a:prstGeom prst="rect">
+            <a:avLst/>
+          </a:prstGeom>
+        </p:spPr>
+      </p:pic>
+    </p:spTree>
+  </p:cSld>
+  <p:clrMapOvr>
+    <a:masterClrMapping/>
+  </p:clrMapOvr>
+</p:sld>
+</file>
+
+<file path=ppt/slides/slide39.xml><?xml version="1.0" encoding="utf-8"?>
+<p:sld xmlns:a="http://schemas.openxmlformats.org/drawingml/2006/main" xmlns:p="http://schemas.openxmlformats.org/presentationml/2006/main" xmlns:r="http://schemas.openxmlformats.org/officeDocument/2006/relationships">
+  <p:cSld>
+    <p:spTree>
+      <p:nvGrpSpPr>
+        <p:cNvPr id="1" name=""/>
+        <p:cNvGrpSpPr/>
+        <p:nvPr/>
+      </p:nvGrpSpPr>
+      <p:grpSpPr/>
+      <p:sp>
+        <p:nvSpPr>
+          <p:cNvPr id="2" name="Title 1"/>
+          <p:cNvSpPr>
+            <a:spLocks noGrp="1"/>
+          </p:cNvSpPr>
+          <p:nvPr>
+            <p:ph type="title"/>
+          </p:nvPr>
+        </p:nvSpPr>
+        <p:spPr/>
+        <p:txBody>
+          <a:bodyPr/>
+          <a:lstStyle/>
+          <a:p>
+            <a:r>
+              <a:t>ppg_onset_to_p1_peak: PPG Onset to p1 Peak Interval</a:t>
+            </a:r>
+          </a:p>
+        </p:txBody>
+      </p:sp>
+      <p:pic>
+        <p:nvPicPr>
+          <p:cNvPr id="3" name="Picture 2" descr="temp_ppg_onset_to_p1_peak.png"/>
           <p:cNvPicPr>
             <a:picLocks noChangeAspect="1"/>
           </p:cNvPicPr>
@@ -5047,14 +5249,77 @@
           <a:lstStyle/>
           <a:p>
             <a:r>
-              <a:t>hr_refined: Heart Rate Refined (BPM)</a:t>
+              <a:t>r_amps: R Amplitudes (mV)</a:t>
             </a:r>
           </a:p>
         </p:txBody>
       </p:sp>
       <p:pic>
         <p:nvPicPr>
-          <p:cNvPr id="3" name="Picture 2" descr="temp_hr_refined.png"/>
+          <p:cNvPr id="3" name="Picture 2" descr="temp_r_amps.png"/>
+          <p:cNvPicPr>
+            <a:picLocks noChangeAspect="1"/>
+          </p:cNvPicPr>
+          <p:nvPr/>
+        </p:nvPicPr>
+        <p:blipFill>
+          <a:blip r:embed="rId2"/>
+          <a:stretch>
+            <a:fillRect/>
+          </a:stretch>
+        </p:blipFill>
+        <p:spPr>
+          <a:xfrm>
+            <a:off x="640080" y="1828800"/>
+            <a:ext cx="10908792" cy="4090797"/>
+          </a:xfrm>
+          <a:prstGeom prst="rect">
+            <a:avLst/>
+          </a:prstGeom>
+        </p:spPr>
+      </p:pic>
+    </p:spTree>
+  </p:cSld>
+  <p:clrMapOvr>
+    <a:masterClrMapping/>
+  </p:clrMapOvr>
+</p:sld>
+</file>
+
+<file path=ppt/slides/slide40.xml><?xml version="1.0" encoding="utf-8"?>
+<p:sld xmlns:a="http://schemas.openxmlformats.org/drawingml/2006/main" xmlns:p="http://schemas.openxmlformats.org/presentationml/2006/main" xmlns:r="http://schemas.openxmlformats.org/officeDocument/2006/relationships">
+  <p:cSld>
+    <p:spTree>
+      <p:nvGrpSpPr>
+        <p:cNvPr id="1" name=""/>
+        <p:cNvGrpSpPr/>
+        <p:nvPr/>
+      </p:nvGrpSpPr>
+      <p:grpSpPr/>
+      <p:sp>
+        <p:nvSpPr>
+          <p:cNvPr id="2" name="Title 1"/>
+          <p:cNvSpPr>
+            <a:spLocks noGrp="1"/>
+          </p:cNvSpPr>
+          <p:nvPr>
+            <p:ph type="title"/>
+          </p:nvPr>
+        </p:nvSpPr>
+        <p:spPr/>
+        <p:txBody>
+          <a:bodyPr/>
+          <a:lstStyle/>
+          <a:p>
+            <a:r>
+              <a:t>ppg_onset_to_p2_peak: PPG Onset to p2 Peak Interval</a:t>
+            </a:r>
+          </a:p>
+        </p:txBody>
+      </p:sp>
+      <p:pic>
+        <p:nvPicPr>
+          <p:cNvPr id="3" name="Picture 2" descr="temp_ppg_onset_to_p2_peak.png"/>
           <p:cNvPicPr>
             <a:picLocks noChangeAspect="1"/>
           </p:cNvPicPr>
@@ -5110,14 +5375,14 @@
           <a:lstStyle/>
           <a:p>
             <a:r>
-              <a:t>hr_smoothed: Heart Rate Smoothed (BPM)</a:t>
+              <a:t>r_amps_refined: R Amplitudes Refined (mV)</a:t>
             </a:r>
           </a:p>
         </p:txBody>
       </p:sp>
       <p:pic>
         <p:nvPicPr>
-          <p:cNvPr id="3" name="Picture 2" descr="temp_hr_smoothed.png"/>
+          <p:cNvPr id="3" name="Picture 2" descr="temp_r_amps_refined.png"/>
           <p:cNvPicPr>
             <a:picLocks noChangeAspect="1"/>
           </p:cNvPicPr>
@@ -5173,14 +5438,14 @@
           <a:lstStyle/>
           <a:p>
             <a:r>
-              <a:t>rr: RR Interval (ms)</a:t>
+              <a:t>r_amps_smoothed: R Amplitudes Smoothed (mV)</a:t>
             </a:r>
           </a:p>
         </p:txBody>
       </p:sp>
       <p:pic>
         <p:nvPicPr>
-          <p:cNvPr id="3" name="Picture 2" descr="temp_rr.png"/>
+          <p:cNvPr id="3" name="Picture 2" descr="temp_r_amps_smoothed.png"/>
           <p:cNvPicPr>
             <a:picLocks noChangeAspect="1"/>
           </p:cNvPicPr>
@@ -5236,14 +5501,14 @@
           <a:lstStyle/>
           <a:p>
             <a:r>
-              <a:t>rr_refined: RR Refined (ms)</a:t>
+              <a:t>hr: Heart Rate (BPM)</a:t>
             </a:r>
           </a:p>
         </p:txBody>
       </p:sp>
       <p:pic>
         <p:nvPicPr>
-          <p:cNvPr id="3" name="Picture 2" descr="temp_rr_refined.png"/>
+          <p:cNvPr id="3" name="Picture 2" descr="temp_hr.png"/>
           <p:cNvPicPr>
             <a:picLocks noChangeAspect="1"/>
           </p:cNvPicPr>
@@ -5299,14 +5564,14 @@
           <a:lstStyle/>
           <a:p>
             <a:r>
-              <a:t>rr_smoothed: RR Smoothed (ms)</a:t>
+              <a:t>hr_refined: Heart Rate Refined (BPM)</a:t>
             </a:r>
           </a:p>
         </p:txBody>
       </p:sp>
       <p:pic>
         <p:nvPicPr>
-          <p:cNvPr id="3" name="Picture 2" descr="temp_rr_smoothed.png"/>
+          <p:cNvPr id="3" name="Picture 2" descr="temp_hr_refined.png"/>
           <p:cNvPicPr>
             <a:picLocks noChangeAspect="1"/>
           </p:cNvPicPr>
@@ -5362,14 +5627,14 @@
           <a:lstStyle/>
           <a:p>
             <a:r>
-              <a:t>qt: QT Interval (ms)</a:t>
+              <a:t>hr_smoothed: Heart Rate Smoothed (BPM)</a:t>
             </a:r>
           </a:p>
         </p:txBody>
       </p:sp>
       <p:pic>
         <p:nvPicPr>
-          <p:cNvPr id="3" name="Picture 2" descr="temp_qt.png"/>
+          <p:cNvPr id="3" name="Picture 2" descr="temp_hr_smoothed.png"/>
           <p:cNvPicPr>
             <a:picLocks noChangeAspect="1"/>
           </p:cNvPicPr>

--- a/data/s012/prescribe-presentation.pptx
+++ b/data/s012/prescribe-presentation.pptx
@@ -3176,7 +3176,7 @@
           <a:p>
             <a:pPr algn="ctr"/>
             <a:r>
-              <a:t>Generated on 2024-09-01 01:00:31</a:t>
+              <a:t>Generated on 2024-09-01 01:42:02</a:t>
             </a:r>
           </a:p>
         </p:txBody>
@@ -4256,7 +4256,7 @@
           <a:p>
             <a:pPr algn="ctr"/>
             <a:r>
-              <a:t>Generated on 2024-09-01 01:00:35</a:t>
+              <a:t>Generated on 2024-09-01 01:42:06</a:t>
             </a:r>
           </a:p>
         </p:txBody>
@@ -4580,7 +4580,7 @@
           <a:p>
             <a:pPr algn="ctr"/>
             <a:r>
-              <a:t>Generated on 2024-09-01 01:00:31</a:t>
+              <a:t>Generated on 2024-09-01 01:42:02</a:t>
             </a:r>
           </a:p>
         </p:txBody>

--- a/data/s012/prescribe-presentation.pptx
+++ b/data/s012/prescribe-presentation.pptx
@@ -3176,7 +3176,7 @@
           <a:p>
             <a:pPr algn="ctr"/>
             <a:r>
-              <a:t>Generated on 2024-09-01 01:42:02</a:t>
+              <a:t>Generated on 2024-09-01 01:44:52</a:t>
             </a:r>
           </a:p>
         </p:txBody>
@@ -4256,7 +4256,7 @@
           <a:p>
             <a:pPr algn="ctr"/>
             <a:r>
-              <a:t>Generated on 2024-09-01 01:42:06</a:t>
+              <a:t>Generated on 2024-09-01 01:44:55</a:t>
             </a:r>
           </a:p>
         </p:txBody>
@@ -4580,7 +4580,7 @@
           <a:p>
             <a:pPr algn="ctr"/>
             <a:r>
-              <a:t>Generated on 2024-09-01 01:42:02</a:t>
+              <a:t>Generated on 2024-09-01 01:44:52</a:t>
             </a:r>
           </a:p>
         </p:txBody>

--- a/data/s012/prescribe-presentation.pptx
+++ b/data/s012/prescribe-presentation.pptx
@@ -3176,7 +3176,7 @@
           <a:p>
             <a:pPr algn="ctr"/>
             <a:r>
-              <a:t>Generated on 2024-09-01 01:44:52</a:t>
+              <a:t>Generated on 2024-09-01 23:23:21</a:t>
             </a:r>
           </a:p>
         </p:txBody>
@@ -4256,7 +4256,7 @@
           <a:p>
             <a:pPr algn="ctr"/>
             <a:r>
-              <a:t>Generated on 2024-09-01 01:44:55</a:t>
+              <a:t>Generated on 2024-09-01 23:23:24</a:t>
             </a:r>
           </a:p>
         </p:txBody>
@@ -4580,7 +4580,7 @@
           <a:p>
             <a:pPr algn="ctr"/>
             <a:r>
-              <a:t>Generated on 2024-09-01 01:44:52</a:t>
+              <a:t>Generated on 2024-09-01 23:23:21</a:t>
             </a:r>
           </a:p>
         </p:txBody>

--- a/data/s012/prescribe-presentation.pptx
+++ b/data/s012/prescribe-presentation.pptx
@@ -3176,7 +3176,7 @@
           <a:p>
             <a:pPr algn="ctr"/>
             <a:r>
-              <a:t>Generated on 2024-09-01 23:23:21</a:t>
+              <a:t>Generated on 2024-09-02 10:53:43</a:t>
             </a:r>
           </a:p>
         </p:txBody>
@@ -3215,7 +3215,7 @@
           <a:lstStyle/>
           <a:p>
             <a:r>
-              <a:t>rr: RR Interval (ms)</a:t>
+              <a:t>rr: RR Interval</a:t>
             </a:r>
           </a:p>
         </p:txBody>
@@ -3278,7 +3278,7 @@
           <a:lstStyle/>
           <a:p>
             <a:r>
-              <a:t>rr_refined: RR Refined (ms)</a:t>
+              <a:t>rr_refined: RR Refined</a:t>
             </a:r>
           </a:p>
         </p:txBody>
@@ -3341,7 +3341,7 @@
           <a:lstStyle/>
           <a:p>
             <a:r>
-              <a:t>rr_smoothed: RR Smoothed (ms)</a:t>
+              <a:t>rr_smoothed: RR Smoothed</a:t>
             </a:r>
           </a:p>
         </p:txBody>
@@ -3404,7 +3404,7 @@
           <a:lstStyle/>
           <a:p>
             <a:r>
-              <a:t>qt: QT Interval (ms)</a:t>
+              <a:t>qt: QT Interval</a:t>
             </a:r>
           </a:p>
         </p:txBody>
@@ -3467,7 +3467,7 @@
           <a:lstStyle/>
           <a:p>
             <a:r>
-              <a:t>qt_refined: QT Refined (ms)</a:t>
+              <a:t>qt_refined: QT Refined</a:t>
             </a:r>
           </a:p>
         </p:txBody>
@@ -3530,7 +3530,7 @@
           <a:lstStyle/>
           <a:p>
             <a:r>
-              <a:t>qt_smoothed: QT Smoothed (ms)</a:t>
+              <a:t>qt_smoothed: QT Smoothed</a:t>
             </a:r>
           </a:p>
         </p:txBody>
@@ -3782,7 +3782,7 @@
           <a:lstStyle/>
           <a:p>
             <a:r>
-              <a:t>qrs: QRS Duration (ms)</a:t>
+              <a:t>qrs: QRS Duration</a:t>
             </a:r>
           </a:p>
         </p:txBody>
@@ -3908,7 +3908,7 @@
           <a:lstStyle/>
           <a:p>
             <a:r>
-              <a:t>qrs_refined: QRS Duration Refined (ms)</a:t>
+              <a:t>qrs_refined: QRS Duration Refined</a:t>
             </a:r>
           </a:p>
         </p:txBody>
@@ -3971,7 +3971,7 @@
           <a:lstStyle/>
           <a:p>
             <a:r>
-              <a:t>qrs_smoothed: QRS Duration Smoothed (ms)</a:t>
+              <a:t>qrs_smoothed: QRS Duration Smoothed</a:t>
             </a:r>
           </a:p>
         </p:txBody>
@@ -4256,7 +4256,7 @@
           <a:p>
             <a:pPr algn="ctr"/>
             <a:r>
-              <a:t>Generated on 2024-09-01 23:23:24</a:t>
+              <a:t>Generated on 2024-09-02 10:53:46</a:t>
             </a:r>
           </a:p>
         </p:txBody>
@@ -4580,7 +4580,7 @@
           <a:p>
             <a:pPr algn="ctr"/>
             <a:r>
-              <a:t>Generated on 2024-09-01 23:23:21</a:t>
+              <a:t>Generated on 2024-09-02 10:53:43</a:t>
             </a:r>
           </a:p>
         </p:txBody>
@@ -5249,7 +5249,7 @@
           <a:lstStyle/>
           <a:p>
             <a:r>
-              <a:t>r_amps: R Amplitudes (mV)</a:t>
+              <a:t>r_amps: R Amplitudes</a:t>
             </a:r>
           </a:p>
         </p:txBody>
@@ -5375,7 +5375,7 @@
           <a:lstStyle/>
           <a:p>
             <a:r>
-              <a:t>r_amps_refined: R Amplitudes Refined (mV)</a:t>
+              <a:t>r_amps_refined: R Amplitudes Refined</a:t>
             </a:r>
           </a:p>
         </p:txBody>
@@ -5438,7 +5438,7 @@
           <a:lstStyle/>
           <a:p>
             <a:r>
-              <a:t>r_amps_smoothed: R Amplitudes Smoothed (mV)</a:t>
+              <a:t>r_amps_smoothed: R Amplitudes Smoothed</a:t>
             </a:r>
           </a:p>
         </p:txBody>
@@ -5501,7 +5501,7 @@
           <a:lstStyle/>
           <a:p>
             <a:r>
-              <a:t>hr: Heart Rate (BPM)</a:t>
+              <a:t>hr: Heart Rate</a:t>
             </a:r>
           </a:p>
         </p:txBody>
@@ -5564,7 +5564,7 @@
           <a:lstStyle/>
           <a:p>
             <a:r>
-              <a:t>hr_refined: Heart Rate Refined (BPM)</a:t>
+              <a:t>hr_refined: Heart Rate Refined</a:t>
             </a:r>
           </a:p>
         </p:txBody>
@@ -5627,7 +5627,7 @@
           <a:lstStyle/>
           <a:p>
             <a:r>
-              <a:t>hr_smoothed: Heart Rate Smoothed (BPM)</a:t>
+              <a:t>hr_smoothed: Heart Rate Smoothed</a:t>
             </a:r>
           </a:p>
         </p:txBody>

--- a/data/s012/prescribe-presentation.pptx
+++ b/data/s012/prescribe-presentation.pptx
@@ -3176,7 +3176,7 @@
           <a:p>
             <a:pPr algn="ctr"/>
             <a:r>
-              <a:t>Generated on 2024-09-02 10:53:43</a:t>
+              <a:t>Generated on 2024-09-02 21:26:02</a:t>
             </a:r>
           </a:p>
         </p:txBody>
@@ -4256,7 +4256,7 @@
           <a:p>
             <a:pPr algn="ctr"/>
             <a:r>
-              <a:t>Generated on 2024-09-02 10:53:46</a:t>
+              <a:t>Generated on 2024-09-02 21:26:05</a:t>
             </a:r>
           </a:p>
         </p:txBody>
@@ -4580,7 +4580,7 @@
           <a:p>
             <a:pPr algn="ctr"/>
             <a:r>
-              <a:t>Generated on 2024-09-02 10:53:43</a:t>
+              <a:t>Generated on 2024-09-02 21:26:02</a:t>
             </a:r>
           </a:p>
         </p:txBody>

--- a/data/s012/prescribe-presentation.pptx
+++ b/data/s012/prescribe-presentation.pptx
@@ -3176,7 +3176,7 @@
           <a:p>
             <a:pPr algn="ctr"/>
             <a:r>
-              <a:t>Generated on 2024-09-02 21:26:02</a:t>
+              <a:t>Generated on 2024-09-02 22:19:01</a:t>
             </a:r>
           </a:p>
         </p:txBody>
@@ -4256,7 +4256,7 @@
           <a:p>
             <a:pPr algn="ctr"/>
             <a:r>
-              <a:t>Generated on 2024-09-02 21:26:05</a:t>
+              <a:t>Generated on 2024-09-02 22:19:04</a:t>
             </a:r>
           </a:p>
         </p:txBody>
@@ -4580,7 +4580,7 @@
           <a:p>
             <a:pPr algn="ctr"/>
             <a:r>
-              <a:t>Generated on 2024-09-02 21:26:02</a:t>
+              <a:t>Generated on 2024-09-02 22:19:02</a:t>
             </a:r>
           </a:p>
         </p:txBody>
